--- a/Project3/Reports/Interim.pptx
+++ b/Project3/Reports/Interim.pptx
@@ -195,7 +195,7 @@
           <a:p>
             <a:fld id="{07FEE476-17C9-B049-BBB6-3C2A158A4B00}" type="datetimeFigureOut">
               <a:rPr lang="en-US" smtClean="0"/>
-              <a:t>11/12/17</a:t>
+              <a:t>11/15/17</a:t>
             </a:fld>
             <a:endParaRPr lang="en-US"/>
           </a:p>
@@ -1048,7 +1048,7 @@
           <a:p>
             <a:fld id="{6E419F07-8AEF-5C46-8DA9-D758E0D51650}" type="datetimeFigureOut">
               <a:rPr lang="en-US" smtClean="0"/>
-              <a:t>11/12/17</a:t>
+              <a:t>11/15/17</a:t>
             </a:fld>
             <a:endParaRPr lang="en-US"/>
           </a:p>
@@ -1218,7 +1218,7 @@
           <a:p>
             <a:fld id="{6E419F07-8AEF-5C46-8DA9-D758E0D51650}" type="datetimeFigureOut">
               <a:rPr lang="en-US" smtClean="0"/>
-              <a:t>11/12/17</a:t>
+              <a:t>11/15/17</a:t>
             </a:fld>
             <a:endParaRPr lang="en-US"/>
           </a:p>
@@ -1398,7 +1398,7 @@
           <a:p>
             <a:fld id="{6E419F07-8AEF-5C46-8DA9-D758E0D51650}" type="datetimeFigureOut">
               <a:rPr lang="en-US" smtClean="0"/>
-              <a:t>11/12/17</a:t>
+              <a:t>11/15/17</a:t>
             </a:fld>
             <a:endParaRPr lang="en-US"/>
           </a:p>
@@ -2999,7 +2999,7 @@
           <a:p>
             <a:fld id="{6E419F07-8AEF-5C46-8DA9-D758E0D51650}" type="datetimeFigureOut">
               <a:rPr lang="en-US" smtClean="0"/>
-              <a:t>11/12/17</a:t>
+              <a:t>11/15/17</a:t>
             </a:fld>
             <a:endParaRPr lang="en-US"/>
           </a:p>
@@ -3245,7 +3245,7 @@
           <a:p>
             <a:fld id="{6E419F07-8AEF-5C46-8DA9-D758E0D51650}" type="datetimeFigureOut">
               <a:rPr lang="en-US" smtClean="0"/>
-              <a:t>11/12/17</a:t>
+              <a:t>11/15/17</a:t>
             </a:fld>
             <a:endParaRPr lang="en-US"/>
           </a:p>
@@ -3533,7 +3533,7 @@
           <a:p>
             <a:fld id="{6E419F07-8AEF-5C46-8DA9-D758E0D51650}" type="datetimeFigureOut">
               <a:rPr lang="en-US" smtClean="0"/>
-              <a:t>11/12/17</a:t>
+              <a:t>11/15/17</a:t>
             </a:fld>
             <a:endParaRPr lang="en-US"/>
           </a:p>
@@ -3955,7 +3955,7 @@
           <a:p>
             <a:fld id="{6E419F07-8AEF-5C46-8DA9-D758E0D51650}" type="datetimeFigureOut">
               <a:rPr lang="en-US" smtClean="0"/>
-              <a:t>11/12/17</a:t>
+              <a:t>11/15/17</a:t>
             </a:fld>
             <a:endParaRPr lang="en-US"/>
           </a:p>
@@ -4073,7 +4073,7 @@
           <a:p>
             <a:fld id="{6E419F07-8AEF-5C46-8DA9-D758E0D51650}" type="datetimeFigureOut">
               <a:rPr lang="en-US" smtClean="0"/>
-              <a:t>11/12/17</a:t>
+              <a:t>11/15/17</a:t>
             </a:fld>
             <a:endParaRPr lang="en-US"/>
           </a:p>
@@ -4168,7 +4168,7 @@
           <a:p>
             <a:fld id="{6E419F07-8AEF-5C46-8DA9-D758E0D51650}" type="datetimeFigureOut">
               <a:rPr lang="en-US" smtClean="0"/>
-              <a:t>11/12/17</a:t>
+              <a:t>11/15/17</a:t>
             </a:fld>
             <a:endParaRPr lang="en-US"/>
           </a:p>
@@ -4445,7 +4445,7 @@
           <a:p>
             <a:fld id="{6E419F07-8AEF-5C46-8DA9-D758E0D51650}" type="datetimeFigureOut">
               <a:rPr lang="en-US" smtClean="0"/>
-              <a:t>11/12/17</a:t>
+              <a:t>11/15/17</a:t>
             </a:fld>
             <a:endParaRPr lang="en-US"/>
           </a:p>
@@ -4698,7 +4698,7 @@
           <a:p>
             <a:fld id="{6E419F07-8AEF-5C46-8DA9-D758E0D51650}" type="datetimeFigureOut">
               <a:rPr lang="en-US" smtClean="0"/>
-              <a:t>11/12/17</a:t>
+              <a:t>11/15/17</a:t>
             </a:fld>
             <a:endParaRPr lang="en-US"/>
           </a:p>
@@ -4911,7 +4911,7 @@
           <a:p>
             <a:fld id="{6E419F07-8AEF-5C46-8DA9-D758E0D51650}" type="datetimeFigureOut">
               <a:rPr lang="en-US" smtClean="0"/>
-              <a:t>11/12/17</a:t>
+              <a:t>11/15/17</a:t>
             </a:fld>
             <a:endParaRPr lang="en-US"/>
           </a:p>
@@ -5552,7 +5552,6 @@
               <a:rPr lang="en" sz="1800" dirty="0" smtClean="0"/>
               <a:t>SES, Age, Gender </a:t>
             </a:r>
-            <a:endParaRPr lang="en" sz="1800" dirty="0" smtClean="0"/>
           </a:p>
         </p:txBody>
       </p:sp>
@@ -8334,7 +8333,6 @@
               <a:rPr lang="en-US" sz="1600" dirty="0" smtClean="0"/>
               <a:t> groups</a:t>
             </a:r>
-            <a:endParaRPr lang="en-US" sz="1600" dirty="0" smtClean="0"/>
           </a:p>
           <a:p>
             <a:pPr marL="171450" indent="-171450"/>
